--- a/sere hubou prdelí.pptx
+++ b/sere hubou prdelí.pptx
@@ -297,6 +297,7 @@
           <a:p>
             <a:fld id="{FC02B4D0-D6BD-4E3E-BE11-50C882FDE0B0}" type="datetimeFigureOut">
               <a:rPr lang="cs-CZ" smtClean="0"/>
+              <a:pPr/>
               <a:t>15.12.2014</a:t>
             </a:fld>
             <a:endParaRPr lang="cs-CZ"/>
@@ -339,6 +340,7 @@
           <a:p>
             <a:fld id="{275BEF19-6960-46D3-A788-921ACEB5F4EF}" type="slidenum">
               <a:rPr lang="cs-CZ" smtClean="0"/>
+              <a:pPr/>
               <a:t>‹#›</a:t>
             </a:fld>
             <a:endParaRPr lang="cs-CZ"/>
@@ -348,7 +350,7 @@
     </p:spTree>
     <p:extLst>
       <p:ext uri="{BB962C8B-B14F-4D97-AF65-F5344CB8AC3E}">
-        <p14:creationId xmlns:p14="http://schemas.microsoft.com/office/powerpoint/2010/main" val="1390500990"/>
+        <p14:creationId xmlns:p14="http://schemas.microsoft.com/office/powerpoint/2010/main" xmlns="" val="1390500990"/>
       </p:ext>
     </p:extLst>
   </p:cSld>
@@ -467,6 +469,7 @@
           <a:p>
             <a:fld id="{FC02B4D0-D6BD-4E3E-BE11-50C882FDE0B0}" type="datetimeFigureOut">
               <a:rPr lang="cs-CZ" smtClean="0"/>
+              <a:pPr/>
               <a:t>15.12.2014</a:t>
             </a:fld>
             <a:endParaRPr lang="cs-CZ"/>
@@ -509,6 +512,7 @@
           <a:p>
             <a:fld id="{275BEF19-6960-46D3-A788-921ACEB5F4EF}" type="slidenum">
               <a:rPr lang="cs-CZ" smtClean="0"/>
+              <a:pPr/>
               <a:t>‹#›</a:t>
             </a:fld>
             <a:endParaRPr lang="cs-CZ"/>
@@ -518,7 +522,7 @@
     </p:spTree>
     <p:extLst>
       <p:ext uri="{BB962C8B-B14F-4D97-AF65-F5344CB8AC3E}">
-        <p14:creationId xmlns:p14="http://schemas.microsoft.com/office/powerpoint/2010/main" val="1276047032"/>
+        <p14:creationId xmlns:p14="http://schemas.microsoft.com/office/powerpoint/2010/main" xmlns="" val="1276047032"/>
       </p:ext>
     </p:extLst>
   </p:cSld>
@@ -647,6 +651,7 @@
           <a:p>
             <a:fld id="{FC02B4D0-D6BD-4E3E-BE11-50C882FDE0B0}" type="datetimeFigureOut">
               <a:rPr lang="cs-CZ" smtClean="0"/>
+              <a:pPr/>
               <a:t>15.12.2014</a:t>
             </a:fld>
             <a:endParaRPr lang="cs-CZ"/>
@@ -689,6 +694,7 @@
           <a:p>
             <a:fld id="{275BEF19-6960-46D3-A788-921ACEB5F4EF}" type="slidenum">
               <a:rPr lang="cs-CZ" smtClean="0"/>
+              <a:pPr/>
               <a:t>‹#›</a:t>
             </a:fld>
             <a:endParaRPr lang="cs-CZ"/>
@@ -698,7 +704,7 @@
     </p:spTree>
     <p:extLst>
       <p:ext uri="{BB962C8B-B14F-4D97-AF65-F5344CB8AC3E}">
-        <p14:creationId xmlns:p14="http://schemas.microsoft.com/office/powerpoint/2010/main" val="3286897286"/>
+        <p14:creationId xmlns:p14="http://schemas.microsoft.com/office/powerpoint/2010/main" xmlns="" val="3286897286"/>
       </p:ext>
     </p:extLst>
   </p:cSld>
@@ -817,6 +823,7 @@
           <a:p>
             <a:fld id="{FC02B4D0-D6BD-4E3E-BE11-50C882FDE0B0}" type="datetimeFigureOut">
               <a:rPr lang="cs-CZ" smtClean="0"/>
+              <a:pPr/>
               <a:t>15.12.2014</a:t>
             </a:fld>
             <a:endParaRPr lang="cs-CZ"/>
@@ -859,6 +866,7 @@
           <a:p>
             <a:fld id="{275BEF19-6960-46D3-A788-921ACEB5F4EF}" type="slidenum">
               <a:rPr lang="cs-CZ" smtClean="0"/>
+              <a:pPr/>
               <a:t>‹#›</a:t>
             </a:fld>
             <a:endParaRPr lang="cs-CZ"/>
@@ -868,7 +876,7 @@
     </p:spTree>
     <p:extLst>
       <p:ext uri="{BB962C8B-B14F-4D97-AF65-F5344CB8AC3E}">
-        <p14:creationId xmlns:p14="http://schemas.microsoft.com/office/powerpoint/2010/main" val="713075638"/>
+        <p14:creationId xmlns:p14="http://schemas.microsoft.com/office/powerpoint/2010/main" xmlns="" val="713075638"/>
       </p:ext>
     </p:extLst>
   </p:cSld>
@@ -1063,6 +1071,7 @@
           <a:p>
             <a:fld id="{FC02B4D0-D6BD-4E3E-BE11-50C882FDE0B0}" type="datetimeFigureOut">
               <a:rPr lang="cs-CZ" smtClean="0"/>
+              <a:pPr/>
               <a:t>15.12.2014</a:t>
             </a:fld>
             <a:endParaRPr lang="cs-CZ"/>
@@ -1105,6 +1114,7 @@
           <a:p>
             <a:fld id="{275BEF19-6960-46D3-A788-921ACEB5F4EF}" type="slidenum">
               <a:rPr lang="cs-CZ" smtClean="0"/>
+              <a:pPr/>
               <a:t>‹#›</a:t>
             </a:fld>
             <a:endParaRPr lang="cs-CZ"/>
@@ -1114,7 +1124,7 @@
     </p:spTree>
     <p:extLst>
       <p:ext uri="{BB962C8B-B14F-4D97-AF65-F5344CB8AC3E}">
-        <p14:creationId xmlns:p14="http://schemas.microsoft.com/office/powerpoint/2010/main" val="422558427"/>
+        <p14:creationId xmlns:p14="http://schemas.microsoft.com/office/powerpoint/2010/main" xmlns="" val="422558427"/>
       </p:ext>
     </p:extLst>
   </p:cSld>
@@ -1351,6 +1361,7 @@
           <a:p>
             <a:fld id="{FC02B4D0-D6BD-4E3E-BE11-50C882FDE0B0}" type="datetimeFigureOut">
               <a:rPr lang="cs-CZ" smtClean="0"/>
+              <a:pPr/>
               <a:t>15.12.2014</a:t>
             </a:fld>
             <a:endParaRPr lang="cs-CZ"/>
@@ -1393,6 +1404,7 @@
           <a:p>
             <a:fld id="{275BEF19-6960-46D3-A788-921ACEB5F4EF}" type="slidenum">
               <a:rPr lang="cs-CZ" smtClean="0"/>
+              <a:pPr/>
               <a:t>‹#›</a:t>
             </a:fld>
             <a:endParaRPr lang="cs-CZ"/>
@@ -1402,7 +1414,7 @@
     </p:spTree>
     <p:extLst>
       <p:ext uri="{BB962C8B-B14F-4D97-AF65-F5344CB8AC3E}">
-        <p14:creationId xmlns:p14="http://schemas.microsoft.com/office/powerpoint/2010/main" val="2465848151"/>
+        <p14:creationId xmlns:p14="http://schemas.microsoft.com/office/powerpoint/2010/main" xmlns="" val="2465848151"/>
       </p:ext>
     </p:extLst>
   </p:cSld>
@@ -1773,6 +1785,7 @@
           <a:p>
             <a:fld id="{FC02B4D0-D6BD-4E3E-BE11-50C882FDE0B0}" type="datetimeFigureOut">
               <a:rPr lang="cs-CZ" smtClean="0"/>
+              <a:pPr/>
               <a:t>15.12.2014</a:t>
             </a:fld>
             <a:endParaRPr lang="cs-CZ"/>
@@ -1815,6 +1828,7 @@
           <a:p>
             <a:fld id="{275BEF19-6960-46D3-A788-921ACEB5F4EF}" type="slidenum">
               <a:rPr lang="cs-CZ" smtClean="0"/>
+              <a:pPr/>
               <a:t>‹#›</a:t>
             </a:fld>
             <a:endParaRPr lang="cs-CZ"/>
@@ -1824,7 +1838,7 @@
     </p:spTree>
     <p:extLst>
       <p:ext uri="{BB962C8B-B14F-4D97-AF65-F5344CB8AC3E}">
-        <p14:creationId xmlns:p14="http://schemas.microsoft.com/office/powerpoint/2010/main" val="2623764984"/>
+        <p14:creationId xmlns:p14="http://schemas.microsoft.com/office/powerpoint/2010/main" xmlns="" val="2623764984"/>
       </p:ext>
     </p:extLst>
   </p:cSld>
@@ -1891,6 +1905,7 @@
           <a:p>
             <a:fld id="{FC02B4D0-D6BD-4E3E-BE11-50C882FDE0B0}" type="datetimeFigureOut">
               <a:rPr lang="cs-CZ" smtClean="0"/>
+              <a:pPr/>
               <a:t>15.12.2014</a:t>
             </a:fld>
             <a:endParaRPr lang="cs-CZ"/>
@@ -1933,6 +1948,7 @@
           <a:p>
             <a:fld id="{275BEF19-6960-46D3-A788-921ACEB5F4EF}" type="slidenum">
               <a:rPr lang="cs-CZ" smtClean="0"/>
+              <a:pPr/>
               <a:t>‹#›</a:t>
             </a:fld>
             <a:endParaRPr lang="cs-CZ"/>
@@ -1942,7 +1958,7 @@
     </p:spTree>
     <p:extLst>
       <p:ext uri="{BB962C8B-B14F-4D97-AF65-F5344CB8AC3E}">
-        <p14:creationId xmlns:p14="http://schemas.microsoft.com/office/powerpoint/2010/main" val="1398938781"/>
+        <p14:creationId xmlns:p14="http://schemas.microsoft.com/office/powerpoint/2010/main" xmlns="" val="1398938781"/>
       </p:ext>
     </p:extLst>
   </p:cSld>
@@ -1986,6 +2002,7 @@
           <a:p>
             <a:fld id="{FC02B4D0-D6BD-4E3E-BE11-50C882FDE0B0}" type="datetimeFigureOut">
               <a:rPr lang="cs-CZ" smtClean="0"/>
+              <a:pPr/>
               <a:t>15.12.2014</a:t>
             </a:fld>
             <a:endParaRPr lang="cs-CZ"/>
@@ -2028,6 +2045,7 @@
           <a:p>
             <a:fld id="{275BEF19-6960-46D3-A788-921ACEB5F4EF}" type="slidenum">
               <a:rPr lang="cs-CZ" smtClean="0"/>
+              <a:pPr/>
               <a:t>‹#›</a:t>
             </a:fld>
             <a:endParaRPr lang="cs-CZ"/>
@@ -2037,7 +2055,7 @@
     </p:spTree>
     <p:extLst>
       <p:ext uri="{BB962C8B-B14F-4D97-AF65-F5344CB8AC3E}">
-        <p14:creationId xmlns:p14="http://schemas.microsoft.com/office/powerpoint/2010/main" val="141116816"/>
+        <p14:creationId xmlns:p14="http://schemas.microsoft.com/office/powerpoint/2010/main" xmlns="" val="141116816"/>
       </p:ext>
     </p:extLst>
   </p:cSld>
@@ -2263,6 +2281,7 @@
           <a:p>
             <a:fld id="{FC02B4D0-D6BD-4E3E-BE11-50C882FDE0B0}" type="datetimeFigureOut">
               <a:rPr lang="cs-CZ" smtClean="0"/>
+              <a:pPr/>
               <a:t>15.12.2014</a:t>
             </a:fld>
             <a:endParaRPr lang="cs-CZ"/>
@@ -2305,6 +2324,7 @@
           <a:p>
             <a:fld id="{275BEF19-6960-46D3-A788-921ACEB5F4EF}" type="slidenum">
               <a:rPr lang="cs-CZ" smtClean="0"/>
+              <a:pPr/>
               <a:t>‹#›</a:t>
             </a:fld>
             <a:endParaRPr lang="cs-CZ"/>
@@ -2314,7 +2334,7 @@
     </p:spTree>
     <p:extLst>
       <p:ext uri="{BB962C8B-B14F-4D97-AF65-F5344CB8AC3E}">
-        <p14:creationId xmlns:p14="http://schemas.microsoft.com/office/powerpoint/2010/main" val="3223038311"/>
+        <p14:creationId xmlns:p14="http://schemas.microsoft.com/office/powerpoint/2010/main" xmlns="" val="3223038311"/>
       </p:ext>
     </p:extLst>
   </p:cSld>
@@ -2516,6 +2536,7 @@
           <a:p>
             <a:fld id="{FC02B4D0-D6BD-4E3E-BE11-50C882FDE0B0}" type="datetimeFigureOut">
               <a:rPr lang="cs-CZ" smtClean="0"/>
+              <a:pPr/>
               <a:t>15.12.2014</a:t>
             </a:fld>
             <a:endParaRPr lang="cs-CZ"/>
@@ -2558,6 +2579,7 @@
           <a:p>
             <a:fld id="{275BEF19-6960-46D3-A788-921ACEB5F4EF}" type="slidenum">
               <a:rPr lang="cs-CZ" smtClean="0"/>
+              <a:pPr/>
               <a:t>‹#›</a:t>
             </a:fld>
             <a:endParaRPr lang="cs-CZ"/>
@@ -2567,7 +2589,7 @@
     </p:spTree>
     <p:extLst>
       <p:ext uri="{BB962C8B-B14F-4D97-AF65-F5344CB8AC3E}">
-        <p14:creationId xmlns:p14="http://schemas.microsoft.com/office/powerpoint/2010/main" val="3382071279"/>
+        <p14:creationId xmlns:p14="http://schemas.microsoft.com/office/powerpoint/2010/main" xmlns="" val="3382071279"/>
       </p:ext>
     </p:extLst>
   </p:cSld>
@@ -2729,6 +2751,7 @@
           <a:p>
             <a:fld id="{FC02B4D0-D6BD-4E3E-BE11-50C882FDE0B0}" type="datetimeFigureOut">
               <a:rPr lang="cs-CZ" smtClean="0"/>
+              <a:pPr/>
               <a:t>15.12.2014</a:t>
             </a:fld>
             <a:endParaRPr lang="cs-CZ"/>
@@ -2807,6 +2830,7 @@
           <a:p>
             <a:fld id="{275BEF19-6960-46D3-A788-921ACEB5F4EF}" type="slidenum">
               <a:rPr lang="cs-CZ" smtClean="0"/>
+              <a:pPr/>
               <a:t>‹#›</a:t>
             </a:fld>
             <a:endParaRPr lang="cs-CZ"/>
@@ -2816,7 +2840,7 @@
     </p:spTree>
     <p:extLst>
       <p:ext uri="{BB962C8B-B14F-4D97-AF65-F5344CB8AC3E}">
-        <p14:creationId xmlns:p14="http://schemas.microsoft.com/office/powerpoint/2010/main" val="2350499064"/>
+        <p14:creationId xmlns:p14="http://schemas.microsoft.com/office/powerpoint/2010/main" xmlns="" val="2350499064"/>
       </p:ext>
     </p:extLst>
   </p:cSld>
@@ -3153,7 +3177,7 @@
     </p:spTree>
     <p:extLst>
       <p:ext uri="{BB962C8B-B14F-4D97-AF65-F5344CB8AC3E}">
-        <p14:creationId xmlns:p14="http://schemas.microsoft.com/office/powerpoint/2010/main" val="4104868221"/>
+        <p14:creationId xmlns:p14="http://schemas.microsoft.com/office/powerpoint/2010/main" xmlns="" val="4104868221"/>
       </p:ext>
     </p:extLst>
   </p:cSld>
@@ -3269,7 +3293,7 @@
     </p:spTree>
     <p:extLst>
       <p:ext uri="{BB962C8B-B14F-4D97-AF65-F5344CB8AC3E}">
-        <p14:creationId xmlns:p14="http://schemas.microsoft.com/office/powerpoint/2010/main" val="1657521787"/>
+        <p14:creationId xmlns:p14="http://schemas.microsoft.com/office/powerpoint/2010/main" xmlns="" val="1657521787"/>
       </p:ext>
     </p:extLst>
   </p:cSld>
@@ -3415,7 +3439,7 @@
     </p:spTree>
     <p:extLst>
       <p:ext uri="{BB962C8B-B14F-4D97-AF65-F5344CB8AC3E}">
-        <p14:creationId xmlns:p14="http://schemas.microsoft.com/office/powerpoint/2010/main" val="4048269946"/>
+        <p14:creationId xmlns:p14="http://schemas.microsoft.com/office/powerpoint/2010/main" xmlns="" val="4048269946"/>
       </p:ext>
     </p:extLst>
   </p:cSld>
@@ -3423,7 +3447,7 @@
     <a:masterClrMapping/>
   </p:clrMapOvr>
   <mc:AlternateContent xmlns:mc="http://schemas.openxmlformats.org/markup-compatibility/2006">
-    <mc:Choice xmlns:p14="http://schemas.microsoft.com/office/powerpoint/2010/main" Requires="p14">
+    <mc:Choice xmlns:p14="http://schemas.microsoft.com/office/powerpoint/2010/main" xmlns="" Requires="p14">
       <p:transition spd="slow" p14:dur="2000"/>
     </mc:Choice>
     <mc:Fallback>
@@ -3516,7 +3540,7 @@
           <p:nvPr>
             <p:extLst>
               <p:ext uri="{D42A27DB-BD31-4B8C-83A1-F6EECF244321}">
-                <p14:modId xmlns:p14="http://schemas.microsoft.com/office/powerpoint/2010/main" val="2643532958"/>
+                <p14:modId xmlns:p14="http://schemas.microsoft.com/office/powerpoint/2010/main" xmlns="" val="2643532958"/>
               </p:ext>
             </p:extLst>
           </p:nvPr>
@@ -3527,47 +3551,16 @@
         </p:xfrm>
         <a:graphic>
           <a:graphicData uri="http://schemas.openxmlformats.org/presentationml/2006/ole">
-            <mc:AlternateContent xmlns:mc="http://schemas.openxmlformats.org/markup-compatibility/2006">
-              <mc:Choice xmlns:v="urn:schemas-microsoft-com:vml" Requires="v">
-                <p:oleObj spid="_x0000_s2058" name="Visio" r:id="rId3" imgW="7086668" imgH="3009960" progId="Visio.Drawing.15">
-                  <p:embed/>
-                </p:oleObj>
-              </mc:Choice>
-              <mc:Fallback>
-                <p:oleObj name="Visio" r:id="rId3" imgW="7086668" imgH="3009960" progId="Visio.Drawing.15">
-                  <p:embed/>
-                  <p:pic>
-                    <p:nvPicPr>
-                      <p:cNvPr id="0" name=""/>
-                      <p:cNvPicPr/>
-                      <p:nvPr/>
-                    </p:nvPicPr>
-                    <p:blipFill>
-                      <a:blip r:embed="rId4"/>
-                      <a:stretch>
-                        <a:fillRect/>
-                      </a:stretch>
-                    </p:blipFill>
-                    <p:spPr>
-                      <a:xfrm>
-                        <a:off x="971600" y="2852936"/>
-                        <a:ext cx="7113587" cy="3008312"/>
-                      </a:xfrm>
-                      <a:prstGeom prst="rect">
-                        <a:avLst/>
-                      </a:prstGeom>
-                    </p:spPr>
-                  </p:pic>
-                </p:oleObj>
-              </mc:Fallback>
-            </mc:AlternateContent>
+            <p:oleObj spid="_x0000_s2058" name="Visio" r:id="rId3" imgW="7086668" imgH="3009960" progId="">
+              <p:embed/>
+            </p:oleObj>
           </a:graphicData>
         </a:graphic>
       </p:graphicFrame>
     </p:spTree>
     <p:extLst>
       <p:ext uri="{BB962C8B-B14F-4D97-AF65-F5344CB8AC3E}">
-        <p14:creationId xmlns:p14="http://schemas.microsoft.com/office/powerpoint/2010/main" val="2453624121"/>
+        <p14:creationId xmlns:p14="http://schemas.microsoft.com/office/powerpoint/2010/main" xmlns="" val="2453624121"/>
       </p:ext>
     </p:extLst>
   </p:cSld>
@@ -3795,7 +3788,7 @@
     </p:spTree>
     <p:extLst>
       <p:ext uri="{BB962C8B-B14F-4D97-AF65-F5344CB8AC3E}">
-        <p14:creationId xmlns:p14="http://schemas.microsoft.com/office/powerpoint/2010/main" val="2030448541"/>
+        <p14:creationId xmlns:p14="http://schemas.microsoft.com/office/powerpoint/2010/main" xmlns="" val="2030448541"/>
       </p:ext>
     </p:extLst>
   </p:cSld>
@@ -3891,7 +3884,7 @@
           <a:p>
             <a:r>
               <a:rPr lang="cs-CZ" dirty="0" err="1" smtClean="0"/>
-              <a:t>Shifting</a:t>
+              <a:t>Shiftování</a:t>
             </a:r>
             <a:endParaRPr lang="cs-CZ" dirty="0" smtClean="0"/>
           </a:p>
@@ -3907,7 +3900,7 @@
     </p:spTree>
     <p:extLst>
       <p:ext uri="{BB962C8B-B14F-4D97-AF65-F5344CB8AC3E}">
-        <p14:creationId xmlns:p14="http://schemas.microsoft.com/office/powerpoint/2010/main" val="1224315167"/>
+        <p14:creationId xmlns:p14="http://schemas.microsoft.com/office/powerpoint/2010/main" xmlns="" val="1224315167"/>
       </p:ext>
     </p:extLst>
   </p:cSld>
@@ -3988,7 +3981,7 @@
     </p:spTree>
     <p:extLst>
       <p:ext uri="{BB962C8B-B14F-4D97-AF65-F5344CB8AC3E}">
-        <p14:creationId xmlns:p14="http://schemas.microsoft.com/office/powerpoint/2010/main" val="384406080"/>
+        <p14:creationId xmlns:p14="http://schemas.microsoft.com/office/powerpoint/2010/main" xmlns="" val="384406080"/>
       </p:ext>
     </p:extLst>
   </p:cSld>
@@ -4077,7 +4070,7 @@
     </p:spTree>
     <p:extLst>
       <p:ext uri="{BB962C8B-B14F-4D97-AF65-F5344CB8AC3E}">
-        <p14:creationId xmlns:p14="http://schemas.microsoft.com/office/powerpoint/2010/main" val="4077096665"/>
+        <p14:creationId xmlns:p14="http://schemas.microsoft.com/office/powerpoint/2010/main" xmlns="" val="4077096665"/>
       </p:ext>
     </p:extLst>
   </p:cSld>
@@ -4156,7 +4149,7 @@
     </p:spTree>
     <p:extLst>
       <p:ext uri="{BB962C8B-B14F-4D97-AF65-F5344CB8AC3E}">
-        <p14:creationId xmlns:p14="http://schemas.microsoft.com/office/powerpoint/2010/main" val="1206276753"/>
+        <p14:creationId xmlns:p14="http://schemas.microsoft.com/office/powerpoint/2010/main" xmlns="" val="1206276753"/>
       </p:ext>
     </p:extLst>
   </p:cSld>
@@ -4312,7 +4305,7 @@
     </p:spTree>
     <p:extLst>
       <p:ext uri="{BB962C8B-B14F-4D97-AF65-F5344CB8AC3E}">
-        <p14:creationId xmlns:p14="http://schemas.microsoft.com/office/powerpoint/2010/main" val="2432810408"/>
+        <p14:creationId xmlns:p14="http://schemas.microsoft.com/office/powerpoint/2010/main" xmlns="" val="2432810408"/>
       </p:ext>
     </p:extLst>
   </p:cSld>

--- a/sere hubou prdelí.pptx
+++ b/sere hubou prdelí.pptx
@@ -298,7 +298,7 @@
             <a:fld id="{FC02B4D0-D6BD-4E3E-BE11-50C882FDE0B0}" type="datetimeFigureOut">
               <a:rPr lang="cs-CZ" smtClean="0"/>
               <a:pPr/>
-              <a:t>15.12.2014</a:t>
+              <a:t>16.12.2014</a:t>
             </a:fld>
             <a:endParaRPr lang="cs-CZ"/>
           </a:p>
@@ -350,7 +350,7 @@
     </p:spTree>
     <p:extLst>
       <p:ext uri="{BB962C8B-B14F-4D97-AF65-F5344CB8AC3E}">
-        <p14:creationId xmlns:p14="http://schemas.microsoft.com/office/powerpoint/2010/main" xmlns="" val="1390500990"/>
+        <p14:creationId xmlns="" xmlns:p14="http://schemas.microsoft.com/office/powerpoint/2010/main" val="1390500990"/>
       </p:ext>
     </p:extLst>
   </p:cSld>
@@ -470,7 +470,7 @@
             <a:fld id="{FC02B4D0-D6BD-4E3E-BE11-50C882FDE0B0}" type="datetimeFigureOut">
               <a:rPr lang="cs-CZ" smtClean="0"/>
               <a:pPr/>
-              <a:t>15.12.2014</a:t>
+              <a:t>16.12.2014</a:t>
             </a:fld>
             <a:endParaRPr lang="cs-CZ"/>
           </a:p>
@@ -522,7 +522,7 @@
     </p:spTree>
     <p:extLst>
       <p:ext uri="{BB962C8B-B14F-4D97-AF65-F5344CB8AC3E}">
-        <p14:creationId xmlns:p14="http://schemas.microsoft.com/office/powerpoint/2010/main" xmlns="" val="1276047032"/>
+        <p14:creationId xmlns="" xmlns:p14="http://schemas.microsoft.com/office/powerpoint/2010/main" val="1276047032"/>
       </p:ext>
     </p:extLst>
   </p:cSld>
@@ -652,7 +652,7 @@
             <a:fld id="{FC02B4D0-D6BD-4E3E-BE11-50C882FDE0B0}" type="datetimeFigureOut">
               <a:rPr lang="cs-CZ" smtClean="0"/>
               <a:pPr/>
-              <a:t>15.12.2014</a:t>
+              <a:t>16.12.2014</a:t>
             </a:fld>
             <a:endParaRPr lang="cs-CZ"/>
           </a:p>
@@ -704,7 +704,7 @@
     </p:spTree>
     <p:extLst>
       <p:ext uri="{BB962C8B-B14F-4D97-AF65-F5344CB8AC3E}">
-        <p14:creationId xmlns:p14="http://schemas.microsoft.com/office/powerpoint/2010/main" xmlns="" val="3286897286"/>
+        <p14:creationId xmlns="" xmlns:p14="http://schemas.microsoft.com/office/powerpoint/2010/main" val="3286897286"/>
       </p:ext>
     </p:extLst>
   </p:cSld>
@@ -824,7 +824,7 @@
             <a:fld id="{FC02B4D0-D6BD-4E3E-BE11-50C882FDE0B0}" type="datetimeFigureOut">
               <a:rPr lang="cs-CZ" smtClean="0"/>
               <a:pPr/>
-              <a:t>15.12.2014</a:t>
+              <a:t>16.12.2014</a:t>
             </a:fld>
             <a:endParaRPr lang="cs-CZ"/>
           </a:p>
@@ -876,7 +876,7 @@
     </p:spTree>
     <p:extLst>
       <p:ext uri="{BB962C8B-B14F-4D97-AF65-F5344CB8AC3E}">
-        <p14:creationId xmlns:p14="http://schemas.microsoft.com/office/powerpoint/2010/main" xmlns="" val="713075638"/>
+        <p14:creationId xmlns="" xmlns:p14="http://schemas.microsoft.com/office/powerpoint/2010/main" val="713075638"/>
       </p:ext>
     </p:extLst>
   </p:cSld>
@@ -1072,7 +1072,7 @@
             <a:fld id="{FC02B4D0-D6BD-4E3E-BE11-50C882FDE0B0}" type="datetimeFigureOut">
               <a:rPr lang="cs-CZ" smtClean="0"/>
               <a:pPr/>
-              <a:t>15.12.2014</a:t>
+              <a:t>16.12.2014</a:t>
             </a:fld>
             <a:endParaRPr lang="cs-CZ"/>
           </a:p>
@@ -1124,7 +1124,7 @@
     </p:spTree>
     <p:extLst>
       <p:ext uri="{BB962C8B-B14F-4D97-AF65-F5344CB8AC3E}">
-        <p14:creationId xmlns:p14="http://schemas.microsoft.com/office/powerpoint/2010/main" xmlns="" val="422558427"/>
+        <p14:creationId xmlns="" xmlns:p14="http://schemas.microsoft.com/office/powerpoint/2010/main" val="422558427"/>
       </p:ext>
     </p:extLst>
   </p:cSld>
@@ -1362,7 +1362,7 @@
             <a:fld id="{FC02B4D0-D6BD-4E3E-BE11-50C882FDE0B0}" type="datetimeFigureOut">
               <a:rPr lang="cs-CZ" smtClean="0"/>
               <a:pPr/>
-              <a:t>15.12.2014</a:t>
+              <a:t>16.12.2014</a:t>
             </a:fld>
             <a:endParaRPr lang="cs-CZ"/>
           </a:p>
@@ -1414,7 +1414,7 @@
     </p:spTree>
     <p:extLst>
       <p:ext uri="{BB962C8B-B14F-4D97-AF65-F5344CB8AC3E}">
-        <p14:creationId xmlns:p14="http://schemas.microsoft.com/office/powerpoint/2010/main" xmlns="" val="2465848151"/>
+        <p14:creationId xmlns="" xmlns:p14="http://schemas.microsoft.com/office/powerpoint/2010/main" val="2465848151"/>
       </p:ext>
     </p:extLst>
   </p:cSld>
@@ -1786,7 +1786,7 @@
             <a:fld id="{FC02B4D0-D6BD-4E3E-BE11-50C882FDE0B0}" type="datetimeFigureOut">
               <a:rPr lang="cs-CZ" smtClean="0"/>
               <a:pPr/>
-              <a:t>15.12.2014</a:t>
+              <a:t>16.12.2014</a:t>
             </a:fld>
             <a:endParaRPr lang="cs-CZ"/>
           </a:p>
@@ -1838,7 +1838,7 @@
     </p:spTree>
     <p:extLst>
       <p:ext uri="{BB962C8B-B14F-4D97-AF65-F5344CB8AC3E}">
-        <p14:creationId xmlns:p14="http://schemas.microsoft.com/office/powerpoint/2010/main" xmlns="" val="2623764984"/>
+        <p14:creationId xmlns="" xmlns:p14="http://schemas.microsoft.com/office/powerpoint/2010/main" val="2623764984"/>
       </p:ext>
     </p:extLst>
   </p:cSld>
@@ -1906,7 +1906,7 @@
             <a:fld id="{FC02B4D0-D6BD-4E3E-BE11-50C882FDE0B0}" type="datetimeFigureOut">
               <a:rPr lang="cs-CZ" smtClean="0"/>
               <a:pPr/>
-              <a:t>15.12.2014</a:t>
+              <a:t>16.12.2014</a:t>
             </a:fld>
             <a:endParaRPr lang="cs-CZ"/>
           </a:p>
@@ -1958,7 +1958,7 @@
     </p:spTree>
     <p:extLst>
       <p:ext uri="{BB962C8B-B14F-4D97-AF65-F5344CB8AC3E}">
-        <p14:creationId xmlns:p14="http://schemas.microsoft.com/office/powerpoint/2010/main" xmlns="" val="1398938781"/>
+        <p14:creationId xmlns="" xmlns:p14="http://schemas.microsoft.com/office/powerpoint/2010/main" val="1398938781"/>
       </p:ext>
     </p:extLst>
   </p:cSld>
@@ -2003,7 +2003,7 @@
             <a:fld id="{FC02B4D0-D6BD-4E3E-BE11-50C882FDE0B0}" type="datetimeFigureOut">
               <a:rPr lang="cs-CZ" smtClean="0"/>
               <a:pPr/>
-              <a:t>15.12.2014</a:t>
+              <a:t>16.12.2014</a:t>
             </a:fld>
             <a:endParaRPr lang="cs-CZ"/>
           </a:p>
@@ -2055,7 +2055,7 @@
     </p:spTree>
     <p:extLst>
       <p:ext uri="{BB962C8B-B14F-4D97-AF65-F5344CB8AC3E}">
-        <p14:creationId xmlns:p14="http://schemas.microsoft.com/office/powerpoint/2010/main" xmlns="" val="141116816"/>
+        <p14:creationId xmlns="" xmlns:p14="http://schemas.microsoft.com/office/powerpoint/2010/main" val="141116816"/>
       </p:ext>
     </p:extLst>
   </p:cSld>
@@ -2282,7 +2282,7 @@
             <a:fld id="{FC02B4D0-D6BD-4E3E-BE11-50C882FDE0B0}" type="datetimeFigureOut">
               <a:rPr lang="cs-CZ" smtClean="0"/>
               <a:pPr/>
-              <a:t>15.12.2014</a:t>
+              <a:t>16.12.2014</a:t>
             </a:fld>
             <a:endParaRPr lang="cs-CZ"/>
           </a:p>
@@ -2334,7 +2334,7 @@
     </p:spTree>
     <p:extLst>
       <p:ext uri="{BB962C8B-B14F-4D97-AF65-F5344CB8AC3E}">
-        <p14:creationId xmlns:p14="http://schemas.microsoft.com/office/powerpoint/2010/main" xmlns="" val="3223038311"/>
+        <p14:creationId xmlns="" xmlns:p14="http://schemas.microsoft.com/office/powerpoint/2010/main" val="3223038311"/>
       </p:ext>
     </p:extLst>
   </p:cSld>
@@ -2537,7 +2537,7 @@
             <a:fld id="{FC02B4D0-D6BD-4E3E-BE11-50C882FDE0B0}" type="datetimeFigureOut">
               <a:rPr lang="cs-CZ" smtClean="0"/>
               <a:pPr/>
-              <a:t>15.12.2014</a:t>
+              <a:t>16.12.2014</a:t>
             </a:fld>
             <a:endParaRPr lang="cs-CZ"/>
           </a:p>
@@ -2589,7 +2589,7 @@
     </p:spTree>
     <p:extLst>
       <p:ext uri="{BB962C8B-B14F-4D97-AF65-F5344CB8AC3E}">
-        <p14:creationId xmlns:p14="http://schemas.microsoft.com/office/powerpoint/2010/main" xmlns="" val="3382071279"/>
+        <p14:creationId xmlns="" xmlns:p14="http://schemas.microsoft.com/office/powerpoint/2010/main" val="3382071279"/>
       </p:ext>
     </p:extLst>
   </p:cSld>
@@ -2752,7 +2752,7 @@
             <a:fld id="{FC02B4D0-D6BD-4E3E-BE11-50C882FDE0B0}" type="datetimeFigureOut">
               <a:rPr lang="cs-CZ" smtClean="0"/>
               <a:pPr/>
-              <a:t>15.12.2014</a:t>
+              <a:t>16.12.2014</a:t>
             </a:fld>
             <a:endParaRPr lang="cs-CZ"/>
           </a:p>
@@ -2840,7 +2840,7 @@
     </p:spTree>
     <p:extLst>
       <p:ext uri="{BB962C8B-B14F-4D97-AF65-F5344CB8AC3E}">
-        <p14:creationId xmlns:p14="http://schemas.microsoft.com/office/powerpoint/2010/main" xmlns="" val="2350499064"/>
+        <p14:creationId xmlns="" xmlns:p14="http://schemas.microsoft.com/office/powerpoint/2010/main" val="2350499064"/>
       </p:ext>
     </p:extLst>
   </p:cSld>
@@ -3177,7 +3177,7 @@
     </p:spTree>
     <p:extLst>
       <p:ext uri="{BB962C8B-B14F-4D97-AF65-F5344CB8AC3E}">
-        <p14:creationId xmlns:p14="http://schemas.microsoft.com/office/powerpoint/2010/main" xmlns="" val="4104868221"/>
+        <p14:creationId xmlns="" xmlns:p14="http://schemas.microsoft.com/office/powerpoint/2010/main" val="4104868221"/>
       </p:ext>
     </p:extLst>
   </p:cSld>
@@ -3293,7 +3293,7 @@
     </p:spTree>
     <p:extLst>
       <p:ext uri="{BB962C8B-B14F-4D97-AF65-F5344CB8AC3E}">
-        <p14:creationId xmlns:p14="http://schemas.microsoft.com/office/powerpoint/2010/main" xmlns="" val="1657521787"/>
+        <p14:creationId xmlns="" xmlns:p14="http://schemas.microsoft.com/office/powerpoint/2010/main" val="1657521787"/>
       </p:ext>
     </p:extLst>
   </p:cSld>
@@ -3439,7 +3439,7 @@
     </p:spTree>
     <p:extLst>
       <p:ext uri="{BB962C8B-B14F-4D97-AF65-F5344CB8AC3E}">
-        <p14:creationId xmlns:p14="http://schemas.microsoft.com/office/powerpoint/2010/main" xmlns="" val="4048269946"/>
+        <p14:creationId xmlns="" xmlns:p14="http://schemas.microsoft.com/office/powerpoint/2010/main" val="4048269946"/>
       </p:ext>
     </p:extLst>
   </p:cSld>
@@ -3447,7 +3447,7 @@
     <a:masterClrMapping/>
   </p:clrMapOvr>
   <mc:AlternateContent xmlns:mc="http://schemas.openxmlformats.org/markup-compatibility/2006">
-    <mc:Choice xmlns:p14="http://schemas.microsoft.com/office/powerpoint/2010/main" xmlns="" Requires="p14">
+    <mc:Choice xmlns="" xmlns:p14="http://schemas.microsoft.com/office/powerpoint/2010/main" Requires="p14">
       <p:transition spd="slow" p14:dur="2000"/>
     </mc:Choice>
     <mc:Fallback>
@@ -3540,7 +3540,7 @@
           <p:nvPr>
             <p:extLst>
               <p:ext uri="{D42A27DB-BD31-4B8C-83A1-F6EECF244321}">
-                <p14:modId xmlns:p14="http://schemas.microsoft.com/office/powerpoint/2010/main" xmlns="" val="2643532958"/>
+                <p14:modId xmlns="" xmlns:p14="http://schemas.microsoft.com/office/powerpoint/2010/main" val="2643532958"/>
               </p:ext>
             </p:extLst>
           </p:nvPr>
@@ -3551,7 +3551,7 @@
         </p:xfrm>
         <a:graphic>
           <a:graphicData uri="http://schemas.openxmlformats.org/presentationml/2006/ole">
-            <p:oleObj spid="_x0000_s2058" name="Visio" r:id="rId3" imgW="7086668" imgH="3009960" progId="">
+            <p:oleObj spid="_x0000_s2058" name="Visio" r:id="rId3" imgW="7086668" imgH="3009960" progId="Visio.Drawing.15">
               <p:embed/>
             </p:oleObj>
           </a:graphicData>
@@ -3560,7 +3560,7 @@
     </p:spTree>
     <p:extLst>
       <p:ext uri="{BB962C8B-B14F-4D97-AF65-F5344CB8AC3E}">
-        <p14:creationId xmlns:p14="http://schemas.microsoft.com/office/powerpoint/2010/main" xmlns="" val="2453624121"/>
+        <p14:creationId xmlns="" xmlns:p14="http://schemas.microsoft.com/office/powerpoint/2010/main" val="2453624121"/>
       </p:ext>
     </p:extLst>
   </p:cSld>
@@ -3788,7 +3788,7 @@
     </p:spTree>
     <p:extLst>
       <p:ext uri="{BB962C8B-B14F-4D97-AF65-F5344CB8AC3E}">
-        <p14:creationId xmlns:p14="http://schemas.microsoft.com/office/powerpoint/2010/main" xmlns="" val="2030448541"/>
+        <p14:creationId xmlns="" xmlns:p14="http://schemas.microsoft.com/office/powerpoint/2010/main" val="2030448541"/>
       </p:ext>
     </p:extLst>
   </p:cSld>
@@ -3900,7 +3900,7 @@
     </p:spTree>
     <p:extLst>
       <p:ext uri="{BB962C8B-B14F-4D97-AF65-F5344CB8AC3E}">
-        <p14:creationId xmlns:p14="http://schemas.microsoft.com/office/powerpoint/2010/main" xmlns="" val="1224315167"/>
+        <p14:creationId xmlns="" xmlns:p14="http://schemas.microsoft.com/office/powerpoint/2010/main" val="1224315167"/>
       </p:ext>
     </p:extLst>
   </p:cSld>
@@ -3981,7 +3981,7 @@
     </p:spTree>
     <p:extLst>
       <p:ext uri="{BB962C8B-B14F-4D97-AF65-F5344CB8AC3E}">
-        <p14:creationId xmlns:p14="http://schemas.microsoft.com/office/powerpoint/2010/main" xmlns="" val="384406080"/>
+        <p14:creationId xmlns="" xmlns:p14="http://schemas.microsoft.com/office/powerpoint/2010/main" val="384406080"/>
       </p:ext>
     </p:extLst>
   </p:cSld>
@@ -4063,14 +4063,30 @@
           <a:bodyPr/>
           <a:lstStyle/>
           <a:p>
-            <a:endParaRPr lang="cs-CZ" dirty="0"/>
+            <a:r>
+              <a:rPr lang="cs-CZ" dirty="0" smtClean="0"/>
+              <a:t>Seznam instrukcí</a:t>
+            </a:r>
+          </a:p>
+          <a:p>
+            <a:r>
+              <a:rPr lang="cs-CZ" dirty="0" smtClean="0"/>
+              <a:t>Generování 3AK</a:t>
+            </a:r>
+          </a:p>
+          <a:p>
+            <a:pPr lvl="1"/>
+            <a:r>
+              <a:rPr lang="cs-CZ" dirty="0" smtClean="0"/>
+              <a:t>Návěští</a:t>
+            </a:r>
           </a:p>
         </p:txBody>
       </p:sp>
     </p:spTree>
     <p:extLst>
       <p:ext uri="{BB962C8B-B14F-4D97-AF65-F5344CB8AC3E}">
-        <p14:creationId xmlns:p14="http://schemas.microsoft.com/office/powerpoint/2010/main" xmlns="" val="4077096665"/>
+        <p14:creationId xmlns="" xmlns:p14="http://schemas.microsoft.com/office/powerpoint/2010/main" val="4077096665"/>
       </p:ext>
     </p:extLst>
   </p:cSld>
@@ -4142,14 +4158,30 @@
           <a:bodyPr/>
           <a:lstStyle/>
           <a:p>
-            <a:endParaRPr lang="cs-CZ"/>
+            <a:r>
+              <a:rPr lang="cs-CZ" dirty="0" smtClean="0"/>
+              <a:t>Vytváření rámců</a:t>
+            </a:r>
+          </a:p>
+          <a:p>
+            <a:r>
+              <a:rPr lang="cs-CZ" dirty="0" smtClean="0"/>
+              <a:t>Datové typy</a:t>
+            </a:r>
+          </a:p>
+          <a:p>
+            <a:r>
+              <a:rPr lang="cs-CZ" dirty="0" smtClean="0"/>
+              <a:t>Předávání argumentů</a:t>
+            </a:r>
+            <a:endParaRPr lang="cs-CZ" dirty="0"/>
           </a:p>
         </p:txBody>
       </p:sp>
     </p:spTree>
     <p:extLst>
       <p:ext uri="{BB962C8B-B14F-4D97-AF65-F5344CB8AC3E}">
-        <p14:creationId xmlns:p14="http://schemas.microsoft.com/office/powerpoint/2010/main" xmlns="" val="1206276753"/>
+        <p14:creationId xmlns="" xmlns:p14="http://schemas.microsoft.com/office/powerpoint/2010/main" val="1206276753"/>
       </p:ext>
     </p:extLst>
   </p:cSld>
@@ -4305,7 +4337,7 @@
     </p:spTree>
     <p:extLst>
       <p:ext uri="{BB962C8B-B14F-4D97-AF65-F5344CB8AC3E}">
-        <p14:creationId xmlns:p14="http://schemas.microsoft.com/office/powerpoint/2010/main" xmlns="" val="2432810408"/>
+        <p14:creationId xmlns="" xmlns:p14="http://schemas.microsoft.com/office/powerpoint/2010/main" val="2432810408"/>
       </p:ext>
     </p:extLst>
   </p:cSld>
